--- a/docs/업무 일정/7월 일정.pptx
+++ b/docs/업무 일정/7월 일정.pptx
@@ -288,7 +288,8 @@
           <a:p>
             <a:fld id="{09C3C7E1-1395-4C18-A2E1-8DCAF59FB34D}" type="datetimeFigureOut">
               <a:rPr lang="ko-KR" altLang="en-US" smtClean="0"/>
-              <a:t>2016-05-29</a:t>
+              <a:pPr/>
+              <a:t>2016-06-06</a:t>
             </a:fld>
             <a:endParaRPr lang="ko-KR" altLang="en-US"/>
           </a:p>
@@ -330,6 +331,7 @@
           <a:p>
             <a:fld id="{7709E553-1063-4BEF-A500-4915C28B2142}" type="slidenum">
               <a:rPr lang="ko-KR" altLang="en-US" smtClean="0"/>
+              <a:pPr/>
               <a:t>‹#›</a:t>
             </a:fld>
             <a:endParaRPr lang="ko-KR" altLang="en-US"/>
@@ -453,7 +455,8 @@
           <a:p>
             <a:fld id="{09C3C7E1-1395-4C18-A2E1-8DCAF59FB34D}" type="datetimeFigureOut">
               <a:rPr lang="ko-KR" altLang="en-US" smtClean="0"/>
-              <a:t>2016-05-29</a:t>
+              <a:pPr/>
+              <a:t>2016-06-06</a:t>
             </a:fld>
             <a:endParaRPr lang="ko-KR" altLang="en-US"/>
           </a:p>
@@ -495,6 +498,7 @@
           <a:p>
             <a:fld id="{7709E553-1063-4BEF-A500-4915C28B2142}" type="slidenum">
               <a:rPr lang="ko-KR" altLang="en-US" smtClean="0"/>
+              <a:pPr/>
               <a:t>‹#›</a:t>
             </a:fld>
             <a:endParaRPr lang="ko-KR" altLang="en-US"/>
@@ -628,7 +632,8 @@
           <a:p>
             <a:fld id="{09C3C7E1-1395-4C18-A2E1-8DCAF59FB34D}" type="datetimeFigureOut">
               <a:rPr lang="ko-KR" altLang="en-US" smtClean="0"/>
-              <a:t>2016-05-29</a:t>
+              <a:pPr/>
+              <a:t>2016-06-06</a:t>
             </a:fld>
             <a:endParaRPr lang="ko-KR" altLang="en-US"/>
           </a:p>
@@ -670,6 +675,7 @@
           <a:p>
             <a:fld id="{7709E553-1063-4BEF-A500-4915C28B2142}" type="slidenum">
               <a:rPr lang="ko-KR" altLang="en-US" smtClean="0"/>
+              <a:pPr/>
               <a:t>‹#›</a:t>
             </a:fld>
             <a:endParaRPr lang="ko-KR" altLang="en-US"/>
@@ -793,7 +799,8 @@
           <a:p>
             <a:fld id="{09C3C7E1-1395-4C18-A2E1-8DCAF59FB34D}" type="datetimeFigureOut">
               <a:rPr lang="ko-KR" altLang="en-US" smtClean="0"/>
-              <a:t>2016-05-29</a:t>
+              <a:pPr/>
+              <a:t>2016-06-06</a:t>
             </a:fld>
             <a:endParaRPr lang="ko-KR" altLang="en-US"/>
           </a:p>
@@ -835,6 +842,7 @@
           <a:p>
             <a:fld id="{7709E553-1063-4BEF-A500-4915C28B2142}" type="slidenum">
               <a:rPr lang="ko-KR" altLang="en-US" smtClean="0"/>
+              <a:pPr/>
               <a:t>‹#›</a:t>
             </a:fld>
             <a:endParaRPr lang="ko-KR" altLang="en-US"/>
@@ -1034,7 +1042,8 @@
           <a:p>
             <a:fld id="{09C3C7E1-1395-4C18-A2E1-8DCAF59FB34D}" type="datetimeFigureOut">
               <a:rPr lang="ko-KR" altLang="en-US" smtClean="0"/>
-              <a:t>2016-05-29</a:t>
+              <a:pPr/>
+              <a:t>2016-06-06</a:t>
             </a:fld>
             <a:endParaRPr lang="ko-KR" altLang="en-US"/>
           </a:p>
@@ -1076,6 +1085,7 @@
           <a:p>
             <a:fld id="{7709E553-1063-4BEF-A500-4915C28B2142}" type="slidenum">
               <a:rPr lang="ko-KR" altLang="en-US" smtClean="0"/>
+              <a:pPr/>
               <a:t>‹#›</a:t>
             </a:fld>
             <a:endParaRPr lang="ko-KR" altLang="en-US"/>
@@ -1317,7 +1327,8 @@
           <a:p>
             <a:fld id="{09C3C7E1-1395-4C18-A2E1-8DCAF59FB34D}" type="datetimeFigureOut">
               <a:rPr lang="ko-KR" altLang="en-US" smtClean="0"/>
-              <a:t>2016-05-29</a:t>
+              <a:pPr/>
+              <a:t>2016-06-06</a:t>
             </a:fld>
             <a:endParaRPr lang="ko-KR" altLang="en-US"/>
           </a:p>
@@ -1359,6 +1370,7 @@
           <a:p>
             <a:fld id="{7709E553-1063-4BEF-A500-4915C28B2142}" type="slidenum">
               <a:rPr lang="ko-KR" altLang="en-US" smtClean="0"/>
+              <a:pPr/>
               <a:t>‹#›</a:t>
             </a:fld>
             <a:endParaRPr lang="ko-KR" altLang="en-US"/>
@@ -1734,7 +1746,8 @@
           <a:p>
             <a:fld id="{09C3C7E1-1395-4C18-A2E1-8DCAF59FB34D}" type="datetimeFigureOut">
               <a:rPr lang="ko-KR" altLang="en-US" smtClean="0"/>
-              <a:t>2016-05-29</a:t>
+              <a:pPr/>
+              <a:t>2016-06-06</a:t>
             </a:fld>
             <a:endParaRPr lang="ko-KR" altLang="en-US"/>
           </a:p>
@@ -1776,6 +1789,7 @@
           <a:p>
             <a:fld id="{7709E553-1063-4BEF-A500-4915C28B2142}" type="slidenum">
               <a:rPr lang="ko-KR" altLang="en-US" smtClean="0"/>
+              <a:pPr/>
               <a:t>‹#›</a:t>
             </a:fld>
             <a:endParaRPr lang="ko-KR" altLang="en-US"/>
@@ -1847,7 +1861,8 @@
           <a:p>
             <a:fld id="{09C3C7E1-1395-4C18-A2E1-8DCAF59FB34D}" type="datetimeFigureOut">
               <a:rPr lang="ko-KR" altLang="en-US" smtClean="0"/>
-              <a:t>2016-05-29</a:t>
+              <a:pPr/>
+              <a:t>2016-06-06</a:t>
             </a:fld>
             <a:endParaRPr lang="ko-KR" altLang="en-US"/>
           </a:p>
@@ -1889,6 +1904,7 @@
           <a:p>
             <a:fld id="{7709E553-1063-4BEF-A500-4915C28B2142}" type="slidenum">
               <a:rPr lang="ko-KR" altLang="en-US" smtClean="0"/>
+              <a:pPr/>
               <a:t>‹#›</a:t>
             </a:fld>
             <a:endParaRPr lang="ko-KR" altLang="en-US"/>
@@ -1937,7 +1953,8 @@
           <a:p>
             <a:fld id="{09C3C7E1-1395-4C18-A2E1-8DCAF59FB34D}" type="datetimeFigureOut">
               <a:rPr lang="ko-KR" altLang="en-US" smtClean="0"/>
-              <a:t>2016-05-29</a:t>
+              <a:pPr/>
+              <a:t>2016-06-06</a:t>
             </a:fld>
             <a:endParaRPr lang="ko-KR" altLang="en-US"/>
           </a:p>
@@ -1979,6 +1996,7 @@
           <a:p>
             <a:fld id="{7709E553-1063-4BEF-A500-4915C28B2142}" type="slidenum">
               <a:rPr lang="ko-KR" altLang="en-US" smtClean="0"/>
+              <a:pPr/>
               <a:t>‹#›</a:t>
             </a:fld>
             <a:endParaRPr lang="ko-KR" altLang="en-US"/>
@@ -2209,7 +2227,8 @@
           <a:p>
             <a:fld id="{09C3C7E1-1395-4C18-A2E1-8DCAF59FB34D}" type="datetimeFigureOut">
               <a:rPr lang="ko-KR" altLang="en-US" smtClean="0"/>
-              <a:t>2016-05-29</a:t>
+              <a:pPr/>
+              <a:t>2016-06-06</a:t>
             </a:fld>
             <a:endParaRPr lang="ko-KR" altLang="en-US"/>
           </a:p>
@@ -2251,6 +2270,7 @@
           <a:p>
             <a:fld id="{7709E553-1063-4BEF-A500-4915C28B2142}" type="slidenum">
               <a:rPr lang="ko-KR" altLang="en-US" smtClean="0"/>
+              <a:pPr/>
               <a:t>‹#›</a:t>
             </a:fld>
             <a:endParaRPr lang="ko-KR" altLang="en-US"/>
@@ -2457,7 +2477,8 @@
           <a:p>
             <a:fld id="{09C3C7E1-1395-4C18-A2E1-8DCAF59FB34D}" type="datetimeFigureOut">
               <a:rPr lang="ko-KR" altLang="en-US" smtClean="0"/>
-              <a:t>2016-05-29</a:t>
+              <a:pPr/>
+              <a:t>2016-06-06</a:t>
             </a:fld>
             <a:endParaRPr lang="ko-KR" altLang="en-US"/>
           </a:p>
@@ -2499,6 +2520,7 @@
           <a:p>
             <a:fld id="{7709E553-1063-4BEF-A500-4915C28B2142}" type="slidenum">
               <a:rPr lang="ko-KR" altLang="en-US" smtClean="0"/>
+              <a:pPr/>
               <a:t>‹#›</a:t>
             </a:fld>
             <a:endParaRPr lang="ko-KR" altLang="en-US"/>
@@ -2665,7 +2687,8 @@
           <a:p>
             <a:fld id="{09C3C7E1-1395-4C18-A2E1-8DCAF59FB34D}" type="datetimeFigureOut">
               <a:rPr lang="ko-KR" altLang="en-US" smtClean="0"/>
-              <a:t>2016-05-29</a:t>
+              <a:pPr/>
+              <a:t>2016-06-06</a:t>
             </a:fld>
             <a:endParaRPr lang="ko-KR" altLang="en-US"/>
           </a:p>
@@ -2743,6 +2766,7 @@
           <a:p>
             <a:fld id="{7709E553-1063-4BEF-A500-4915C28B2142}" type="slidenum">
               <a:rPr lang="ko-KR" altLang="en-US" smtClean="0"/>
+              <a:pPr/>
               <a:t>‹#›</a:t>
             </a:fld>
             <a:endParaRPr lang="ko-KR" altLang="en-US"/>
@@ -3083,7 +3107,7 @@
         </p:nvGraphicFramePr>
         <p:xfrm>
           <a:off x="0" y="141480"/>
-          <a:ext cx="9144001" cy="3368040"/>
+          <a:ext cx="9144000" cy="3704318"/>
         </p:xfrm>
         <a:graphic>
           <a:graphicData uri="http://schemas.openxmlformats.org/drawingml/2006/table">
@@ -3092,17 +3116,18 @@
                 <a:tableStyleId>{5C22544A-7EE6-4342-B048-85BDC9FD1C3A}</a:tableStyleId>
               </a:tblPr>
               <a:tblGrid>
-                <a:gridCol w="611560"/>
-                <a:gridCol w="936104"/>
-                <a:gridCol w="864096"/>
-                <a:gridCol w="1080120"/>
-                <a:gridCol w="1080120"/>
-                <a:gridCol w="792088"/>
-                <a:gridCol w="743194"/>
-                <a:gridCol w="984998"/>
-                <a:gridCol w="648072"/>
-                <a:gridCol w="720080"/>
-                <a:gridCol w="683569"/>
+                <a:gridCol w="569022"/>
+                <a:gridCol w="870992"/>
+                <a:gridCol w="803993"/>
+                <a:gridCol w="1004991"/>
+                <a:gridCol w="1004991"/>
+                <a:gridCol w="736993"/>
+                <a:gridCol w="691500"/>
+                <a:gridCol w="916485"/>
+                <a:gridCol w="602995"/>
+                <a:gridCol w="669994"/>
+                <a:gridCol w="636022"/>
+                <a:gridCol w="636022"/>
               </a:tblGrid>
               <a:tr h="278130">
                 <a:tc>
@@ -3238,6 +3263,21 @@
                   </a:txBody>
                   <a:tcPr marT="34290" marB="34290"/>
                 </a:tc>
+                <a:tc>
+                  <a:txBody>
+                    <a:bodyPr/>
+                    <a:lstStyle/>
+                    <a:p>
+                      <a:pPr lvl="0" algn="just" latinLnBrk="1"/>
+                      <a:r>
+                        <a:rPr lang="en-US" altLang="ko-KR" sz="800" dirty="0" smtClean="0"/>
+                        <a:t>UI</a:t>
+                      </a:r>
+                      <a:endParaRPr lang="ko-KR" altLang="en-US" sz="800" dirty="0"/>
+                    </a:p>
+                  </a:txBody>
+                  <a:tcPr marT="34290" marB="34290"/>
+                </a:tc>
               </a:tr>
               <a:tr h="278130">
                 <a:tc>
@@ -3396,6 +3436,17 @@
                         <a:rPr lang="ko-KR" altLang="en-US" sz="800" dirty="0" smtClean="0"/>
                         <a:t>오브젝트</a:t>
                       </a:r>
+                      <a:endParaRPr lang="ko-KR" altLang="en-US" sz="800" dirty="0"/>
+                    </a:p>
+                  </a:txBody>
+                  <a:tcPr marT="34290" marB="34290"/>
+                </a:tc>
+                <a:tc>
+                  <a:txBody>
+                    <a:bodyPr/>
+                    <a:lstStyle/>
+                    <a:p>
+                      <a:pPr lvl="0" algn="just" latinLnBrk="1"/>
                       <a:endParaRPr lang="ko-KR" altLang="en-US" sz="800" dirty="0"/>
                     </a:p>
                   </a:txBody>
@@ -3592,6 +3643,17 @@
                   </a:txBody>
                   <a:tcPr marT="34290" marB="34290"/>
                 </a:tc>
+                <a:tc rowSpan="4">
+                  <a:txBody>
+                    <a:bodyPr/>
+                    <a:lstStyle/>
+                    <a:p>
+                      <a:pPr lvl="0" algn="just" latinLnBrk="1"/>
+                      <a:endParaRPr lang="ko-KR" altLang="en-US" sz="800" dirty="0"/>
+                    </a:p>
+                  </a:txBody>
+                  <a:tcPr marT="34290" marB="34290"/>
+                </a:tc>
               </a:tr>
               <a:tr h="297180">
                 <a:tc vMerge="1">
@@ -3738,6 +3800,17 @@
                   </a:txBody>
                   <a:tcPr/>
                 </a:tc>
+                <a:tc vMerge="1">
+                  <a:txBody>
+                    <a:bodyPr/>
+                    <a:lstStyle/>
+                    <a:p>
+                      <a:pPr latinLnBrk="1"/>
+                      <a:endParaRPr lang="ko-KR" altLang="en-US"/>
+                    </a:p>
+                  </a:txBody>
+                  <a:tcPr/>
+                </a:tc>
               </a:tr>
               <a:tr h="297180">
                 <a:tc vMerge="1">
@@ -3884,6 +3957,17 @@
                   </a:txBody>
                   <a:tcPr/>
                 </a:tc>
+                <a:tc vMerge="1">
+                  <a:txBody>
+                    <a:bodyPr/>
+                    <a:lstStyle/>
+                    <a:p>
+                      <a:pPr latinLnBrk="1"/>
+                      <a:endParaRPr lang="ko-KR" altLang="en-US"/>
+                    </a:p>
+                  </a:txBody>
+                  <a:tcPr/>
+                </a:tc>
               </a:tr>
               <a:tr h="266582">
                 <a:tc vMerge="1">
@@ -4030,6 +4114,17 @@
                   </a:txBody>
                   <a:tcPr/>
                 </a:tc>
+                <a:tc vMerge="1">
+                  <a:txBody>
+                    <a:bodyPr/>
+                    <a:lstStyle/>
+                    <a:p>
+                      <a:pPr latinLnBrk="1"/>
+                      <a:endParaRPr lang="ko-KR" altLang="en-US"/>
+                    </a:p>
+                  </a:txBody>
+                  <a:tcPr/>
+                </a:tc>
               </a:tr>
               <a:tr h="156210">
                 <a:tc rowSpan="2">
@@ -4102,6 +4197,18 @@
                       <a:r>
                         <a:rPr lang="ko-KR" altLang="en-US" sz="800" dirty="0" smtClean="0"/>
                         <a:t>세계관</a:t>
+                      </a:r>
+                      <a:r>
+                        <a:rPr lang="en-US" altLang="ko-KR" sz="800" dirty="0" smtClean="0"/>
+                        <a:t>, UI</a:t>
+                      </a:r>
+                      <a:r>
+                        <a:rPr lang="en-US" altLang="ko-KR" sz="800" baseline="0" dirty="0" smtClean="0"/>
+                        <a:t> </a:t>
+                      </a:r>
+                      <a:r>
+                        <a:rPr lang="ko-KR" altLang="en-US" sz="800" baseline="0" dirty="0" smtClean="0"/>
+                        <a:t>기획</a:t>
                       </a:r>
                       <a:endParaRPr lang="ko-KR" altLang="en-US" sz="800" dirty="0"/>
                     </a:p>
@@ -4245,8 +4352,19 @@
                   </a:txBody>
                   <a:tcPr marT="34290" marB="34290"/>
                 </a:tc>
+                <a:tc rowSpan="2">
+                  <a:txBody>
+                    <a:bodyPr/>
+                    <a:lstStyle/>
+                    <a:p>
+                      <a:pPr lvl="0" algn="just" latinLnBrk="1"/>
+                      <a:endParaRPr lang="ko-KR" altLang="en-US" sz="800"/>
+                    </a:p>
+                  </a:txBody>
+                  <a:tcPr marT="34290" marB="34290"/>
+                </a:tc>
               </a:tr>
-              <a:tr h="156210">
+              <a:tr h="289814">
                 <a:tc vMerge="1">
                   <a:txBody>
                     <a:bodyPr/>
@@ -4399,6 +4517,17 @@
                   </a:txBody>
                   <a:tcPr/>
                 </a:tc>
+                <a:tc vMerge="1">
+                  <a:txBody>
+                    <a:bodyPr/>
+                    <a:lstStyle/>
+                    <a:p>
+                      <a:pPr latinLnBrk="1"/>
+                      <a:endParaRPr lang="ko-KR" altLang="en-US"/>
+                    </a:p>
+                  </a:txBody>
+                  <a:tcPr/>
+                </a:tc>
               </a:tr>
               <a:tr h="278130">
                 <a:tc>
@@ -4660,6 +4789,29 @@
                   </a:txBody>
                   <a:tcPr marT="34290" marB="34290"/>
                 </a:tc>
+                <a:tc>
+                  <a:txBody>
+                    <a:bodyPr/>
+                    <a:lstStyle/>
+                    <a:p>
+                      <a:pPr lvl="0" algn="just" latinLnBrk="1"/>
+                      <a:r>
+                        <a:rPr lang="ko-KR" altLang="en-US" sz="800" dirty="0" smtClean="0"/>
+                        <a:t>더미 </a:t>
+                      </a:r>
+                      <a:r>
+                        <a:rPr lang="en-US" altLang="ko-KR" sz="800" dirty="0" smtClean="0"/>
+                        <a:t>UI </a:t>
+                      </a:r>
+                      <a:r>
+                        <a:rPr lang="ko-KR" altLang="en-US" sz="800" dirty="0" smtClean="0"/>
+                        <a:t>작업</a:t>
+                      </a:r>
+                      <a:endParaRPr lang="ko-KR" altLang="en-US" sz="800" dirty="0"/>
+                    </a:p>
+                  </a:txBody>
+                  <a:tcPr marT="34290" marB="34290"/>
+                </a:tc>
               </a:tr>
               <a:tr h="278130">
                 <a:tc>
@@ -4867,8 +5019,6 @@
                   </a:txBody>
                   <a:tcPr marT="34290" marB="34290"/>
                 </a:tc>
-              </a:tr>
-              <a:tr h="278130">
                 <a:tc>
                   <a:txBody>
                     <a:bodyPr/>
@@ -4892,52 +5042,27 @@
                         <a:defRPr/>
                       </a:pPr>
                       <a:r>
+                        <a:rPr lang="ko-KR" altLang="en-US" sz="800" dirty="0" smtClean="0"/>
+                        <a:t>더미 </a:t>
+                      </a:r>
+                      <a:r>
                         <a:rPr lang="en-US" altLang="ko-KR" sz="800" dirty="0" smtClean="0"/>
-                        <a:t>7</a:t>
+                        <a:t>UI </a:t>
                       </a:r>
                       <a:r>
                         <a:rPr lang="ko-KR" altLang="en-US" sz="800" dirty="0" smtClean="0"/>
-                        <a:t>월 </a:t>
-                      </a:r>
-                      <a:r>
-                        <a:rPr lang="en-US" altLang="ko-KR" sz="800" dirty="0" smtClean="0"/>
-                        <a:t>4/4</a:t>
-                      </a:r>
-                      <a:endParaRPr lang="ko-KR" altLang="en-US" sz="800" dirty="0" smtClean="0"/>
-                    </a:p>
-                  </a:txBody>
-                  <a:tcPr marT="34290" marB="34290"/>
-                </a:tc>
-                <a:tc>
-                  <a:txBody>
-                    <a:bodyPr/>
-                    <a:lstStyle/>
-                    <a:p>
-                      <a:pPr lvl="0" algn="just" latinLnBrk="1"/>
-                      <a:endParaRPr lang="ko-KR" altLang="en-US" sz="800"/>
-                    </a:p>
-                  </a:txBody>
-                  <a:tcPr marT="34290" marB="34290"/>
-                </a:tc>
-                <a:tc>
-                  <a:txBody>
-                    <a:bodyPr/>
-                    <a:lstStyle/>
-                    <a:p>
-                      <a:pPr lvl="0" algn="just" latinLnBrk="1"/>
-                      <a:r>
-                        <a:rPr lang="ko-KR" altLang="en-US" sz="800" dirty="0" smtClean="0"/>
-                        <a:t>중반부 레벨</a:t>
-                      </a:r>
-                      <a:r>
-                        <a:rPr lang="en-US" altLang="ko-KR" sz="800" dirty="0" smtClean="0"/>
-                        <a:t>2</a:t>
-                      </a:r>
-                      <a:endParaRPr lang="ko-KR" altLang="en-US" sz="800" dirty="0"/>
-                    </a:p>
-                  </a:txBody>
-                  <a:tcPr marT="34290" marB="34290"/>
-                </a:tc>
+                        <a:t>완성</a:t>
+                      </a:r>
+                    </a:p>
+                    <a:p>
+                      <a:pPr lvl="0" algn="just" latinLnBrk="1"/>
+                      <a:endParaRPr lang="ko-KR" altLang="en-US" sz="800" dirty="0"/>
+                    </a:p>
+                  </a:txBody>
+                  <a:tcPr marT="34290" marB="34290"/>
+                </a:tc>
+              </a:tr>
+              <a:tr h="492488">
                 <a:tc>
                   <a:txBody>
                     <a:bodyPr/>
@@ -4961,53 +5086,46 @@
                         <a:defRPr/>
                       </a:pPr>
                       <a:r>
+                        <a:rPr lang="en-US" altLang="ko-KR" sz="800" dirty="0" smtClean="0"/>
+                        <a:t>7</a:t>
+                      </a:r>
+                      <a:r>
                         <a:rPr lang="ko-KR" altLang="en-US" sz="800" dirty="0" smtClean="0"/>
-                        <a:t>스토리 정리</a:t>
+                        <a:t>월 </a:t>
+                      </a:r>
+                      <a:r>
+                        <a:rPr lang="en-US" altLang="ko-KR" sz="800" dirty="0" smtClean="0"/>
+                        <a:t>4/4</a:t>
+                      </a:r>
+                      <a:endParaRPr lang="ko-KR" altLang="en-US" sz="800" dirty="0" smtClean="0"/>
+                    </a:p>
+                  </a:txBody>
+                  <a:tcPr marT="34290" marB="34290"/>
+                </a:tc>
+                <a:tc>
+                  <a:txBody>
+                    <a:bodyPr/>
+                    <a:lstStyle/>
+                    <a:p>
+                      <a:pPr lvl="0" algn="just" latinLnBrk="1"/>
+                      <a:endParaRPr lang="ko-KR" altLang="en-US" sz="800"/>
+                    </a:p>
+                  </a:txBody>
+                  <a:tcPr marT="34290" marB="34290"/>
+                </a:tc>
+                <a:tc>
+                  <a:txBody>
+                    <a:bodyPr/>
+                    <a:lstStyle/>
+                    <a:p>
+                      <a:pPr lvl="0" algn="just" latinLnBrk="1"/>
+                      <a:r>
+                        <a:rPr lang="ko-KR" altLang="en-US" sz="800" dirty="0" smtClean="0"/>
+                        <a:t>중반부 레벨</a:t>
                       </a:r>
                       <a:r>
                         <a:rPr lang="en-US" altLang="ko-KR" sz="800" dirty="0" smtClean="0"/>
                         <a:t>2</a:t>
-                      </a:r>
-                      <a:endParaRPr lang="ko-KR" altLang="en-US" sz="800" dirty="0" smtClean="0"/>
-                    </a:p>
-                    <a:p>
-                      <a:pPr lvl="0" algn="just" latinLnBrk="1"/>
-                      <a:endParaRPr lang="ko-KR" altLang="en-US" sz="800" dirty="0"/>
-                    </a:p>
-                  </a:txBody>
-                  <a:tcPr marT="34290" marB="34290"/>
-                </a:tc>
-                <a:tc>
-                  <a:txBody>
-                    <a:bodyPr/>
-                    <a:lstStyle/>
-                    <a:p>
-                      <a:pPr lvl="0" algn="just" latinLnBrk="1"/>
-                      <a:endParaRPr lang="ko-KR" altLang="en-US" sz="800" dirty="0"/>
-                    </a:p>
-                  </a:txBody>
-                  <a:tcPr marT="34290" marB="34290"/>
-                </a:tc>
-                <a:tc>
-                  <a:txBody>
-                    <a:bodyPr/>
-                    <a:lstStyle/>
-                    <a:p>
-                      <a:pPr lvl="0" algn="just" latinLnBrk="1"/>
-                      <a:endParaRPr lang="ko-KR" altLang="en-US" sz="800" dirty="0"/>
-                    </a:p>
-                  </a:txBody>
-                  <a:tcPr marT="34290" marB="34290"/>
-                </a:tc>
-                <a:tc>
-                  <a:txBody>
-                    <a:bodyPr/>
-                    <a:lstStyle/>
-                    <a:p>
-                      <a:pPr lvl="0" algn="just" latinLnBrk="1"/>
-                      <a:r>
-                        <a:rPr lang="ko-KR" altLang="en-US" sz="800" dirty="0" err="1" smtClean="0"/>
-                        <a:t>아나스타샤</a:t>
                       </a:r>
                       <a:endParaRPr lang="ko-KR" altLang="en-US" sz="800" dirty="0"/>
                     </a:p>
@@ -5038,6 +5156,113 @@
                       </a:pPr>
                       <a:r>
                         <a:rPr lang="ko-KR" altLang="en-US" sz="800" dirty="0" smtClean="0"/>
+                        <a:t>스토리 정리</a:t>
+                      </a:r>
+                      <a:r>
+                        <a:rPr lang="en-US" altLang="ko-KR" sz="800" dirty="0" smtClean="0"/>
+                        <a:t>2</a:t>
+                      </a:r>
+                      <a:endParaRPr lang="ko-KR" altLang="en-US" sz="800" dirty="0" smtClean="0"/>
+                    </a:p>
+                    <a:p>
+                      <a:pPr lvl="0" algn="just" latinLnBrk="1"/>
+                      <a:endParaRPr lang="ko-KR" altLang="en-US" sz="800" dirty="0"/>
+                    </a:p>
+                  </a:txBody>
+                  <a:tcPr marT="34290" marB="34290"/>
+                </a:tc>
+                <a:tc>
+                  <a:txBody>
+                    <a:bodyPr/>
+                    <a:lstStyle/>
+                    <a:p>
+                      <a:pPr lvl="0" algn="just" latinLnBrk="1"/>
+                      <a:endParaRPr lang="ko-KR" altLang="en-US" sz="800" dirty="0"/>
+                    </a:p>
+                  </a:txBody>
+                  <a:tcPr marT="34290" marB="34290"/>
+                </a:tc>
+                <a:tc>
+                  <a:txBody>
+                    <a:bodyPr/>
+                    <a:lstStyle/>
+                    <a:p>
+                      <a:pPr marL="0" marR="0" lvl="0" indent="0" algn="just" defTabSz="914400" rtl="0" eaLnBrk="1" fontAlgn="auto" latinLnBrk="1" hangingPunct="1">
+                        <a:lnSpc>
+                          <a:spcPct val="100000"/>
+                        </a:lnSpc>
+                        <a:spcBef>
+                          <a:spcPts val="0"/>
+                        </a:spcBef>
+                        <a:spcAft>
+                          <a:spcPts val="0"/>
+                        </a:spcAft>
+                        <a:buClrTx/>
+                        <a:buSzTx/>
+                        <a:buFontTx/>
+                        <a:buNone/>
+                        <a:tabLst/>
+                        <a:defRPr/>
+                      </a:pPr>
+                      <a:r>
+                        <a:rPr lang="ko-KR" altLang="en-US" sz="800" dirty="0" smtClean="0"/>
+                        <a:t>더미 </a:t>
+                      </a:r>
+                      <a:r>
+                        <a:rPr lang="en-US" altLang="ko-KR" sz="800" dirty="0" smtClean="0"/>
+                        <a:t>UI </a:t>
+                      </a:r>
+                      <a:r>
+                        <a:rPr lang="ko-KR" altLang="en-US" sz="800" dirty="0" smtClean="0"/>
+                        <a:t>넣기</a:t>
+                      </a:r>
+                    </a:p>
+                    <a:p>
+                      <a:pPr lvl="0" algn="just" latinLnBrk="1"/>
+                      <a:endParaRPr lang="ko-KR" altLang="en-US" sz="800" dirty="0"/>
+                    </a:p>
+                  </a:txBody>
+                  <a:tcPr marT="34290" marB="34290"/>
+                </a:tc>
+                <a:tc>
+                  <a:txBody>
+                    <a:bodyPr/>
+                    <a:lstStyle/>
+                    <a:p>
+                      <a:pPr lvl="0" algn="just" latinLnBrk="1"/>
+                      <a:r>
+                        <a:rPr lang="ko-KR" altLang="en-US" sz="800" dirty="0" err="1" smtClean="0"/>
+                        <a:t>아나스타샤</a:t>
+                      </a:r>
+                      <a:endParaRPr lang="ko-KR" altLang="en-US" sz="800" dirty="0"/>
+                    </a:p>
+                  </a:txBody>
+                  <a:tcPr marT="34290" marB="34290"/>
+                </a:tc>
+                <a:tc>
+                  <a:txBody>
+                    <a:bodyPr/>
+                    <a:lstStyle/>
+                    <a:p>
+                      <a:pPr marL="0" marR="0" lvl="0" indent="0" algn="just" defTabSz="914400" rtl="0" eaLnBrk="1" fontAlgn="auto" latinLnBrk="1" hangingPunct="1">
+                        <a:lnSpc>
+                          <a:spcPct val="100000"/>
+                        </a:lnSpc>
+                        <a:spcBef>
+                          <a:spcPts val="0"/>
+                        </a:spcBef>
+                        <a:spcAft>
+                          <a:spcPts val="0"/>
+                        </a:spcAft>
+                        <a:buClrTx/>
+                        <a:buSzTx/>
+                        <a:buFontTx/>
+                        <a:buNone/>
+                        <a:tabLst/>
+                        <a:defRPr/>
+                      </a:pPr>
+                      <a:r>
+                        <a:rPr lang="ko-KR" altLang="en-US" sz="800" dirty="0" smtClean="0"/>
                         <a:t>중반부 레벨</a:t>
                       </a:r>
                       <a:r>
@@ -5074,6 +5299,17 @@
                         <a:rPr lang="ko-KR" altLang="en-US" sz="800" dirty="0" smtClean="0"/>
                         <a:t>기타 캐릭터</a:t>
                       </a:r>
+                      <a:endParaRPr lang="ko-KR" altLang="en-US" sz="800" dirty="0"/>
+                    </a:p>
+                  </a:txBody>
+                  <a:tcPr marT="34290" marB="34290"/>
+                </a:tc>
+                <a:tc>
+                  <a:txBody>
+                    <a:bodyPr/>
+                    <a:lstStyle/>
+                    <a:p>
+                      <a:pPr lvl="0" algn="just" latinLnBrk="1"/>
                       <a:endParaRPr lang="ko-KR" altLang="en-US" sz="800" dirty="0"/>
                     </a:p>
                   </a:txBody>

--- a/docs/업무 일정/7월 일정.pptx
+++ b/docs/업무 일정/7월 일정.pptx
@@ -104,6 +104,22 @@
       </a:defRPr>
     </a:lvl9pPr>
   </p:defaultTextStyle>
+  <p:extLst>
+    <p:ext uri="{EFAFB233-063F-42B5-8137-9DF3F51BA10A}">
+      <p15:sldGuideLst xmlns:p15="http://schemas.microsoft.com/office/powerpoint/2012/main">
+        <p15:guide id="1" orient="horz" pos="1620">
+          <p15:clr>
+            <a:srgbClr val="A4A3A4"/>
+          </p15:clr>
+        </p15:guide>
+        <p15:guide id="2" pos="2880">
+          <p15:clr>
+            <a:srgbClr val="A4A3A4"/>
+          </p15:clr>
+        </p15:guide>
+      </p15:sldGuideLst>
+    </p:ext>
+  </p:extLst>
 </p:presentation>
 </file>
 
@@ -289,7 +305,7 @@
             <a:fld id="{09C3C7E1-1395-4C18-A2E1-8DCAF59FB34D}" type="datetimeFigureOut">
               <a:rPr lang="ko-KR" altLang="en-US" smtClean="0"/>
               <a:pPr/>
-              <a:t>2016-06-06</a:t>
+              <a:t>2016-07-02</a:t>
             </a:fld>
             <a:endParaRPr lang="ko-KR" altLang="en-US"/>
           </a:p>
@@ -456,7 +472,7 @@
             <a:fld id="{09C3C7E1-1395-4C18-A2E1-8DCAF59FB34D}" type="datetimeFigureOut">
               <a:rPr lang="ko-KR" altLang="en-US" smtClean="0"/>
               <a:pPr/>
-              <a:t>2016-06-06</a:t>
+              <a:t>2016-07-02</a:t>
             </a:fld>
             <a:endParaRPr lang="ko-KR" altLang="en-US"/>
           </a:p>
@@ -633,7 +649,7 @@
             <a:fld id="{09C3C7E1-1395-4C18-A2E1-8DCAF59FB34D}" type="datetimeFigureOut">
               <a:rPr lang="ko-KR" altLang="en-US" smtClean="0"/>
               <a:pPr/>
-              <a:t>2016-06-06</a:t>
+              <a:t>2016-07-02</a:t>
             </a:fld>
             <a:endParaRPr lang="ko-KR" altLang="en-US"/>
           </a:p>
@@ -800,7 +816,7 @@
             <a:fld id="{09C3C7E1-1395-4C18-A2E1-8DCAF59FB34D}" type="datetimeFigureOut">
               <a:rPr lang="ko-KR" altLang="en-US" smtClean="0"/>
               <a:pPr/>
-              <a:t>2016-06-06</a:t>
+              <a:t>2016-07-02</a:t>
             </a:fld>
             <a:endParaRPr lang="ko-KR" altLang="en-US"/>
           </a:p>
@@ -1043,7 +1059,7 @@
             <a:fld id="{09C3C7E1-1395-4C18-A2E1-8DCAF59FB34D}" type="datetimeFigureOut">
               <a:rPr lang="ko-KR" altLang="en-US" smtClean="0"/>
               <a:pPr/>
-              <a:t>2016-06-06</a:t>
+              <a:t>2016-07-02</a:t>
             </a:fld>
             <a:endParaRPr lang="ko-KR" altLang="en-US"/>
           </a:p>
@@ -1328,7 +1344,7 @@
             <a:fld id="{09C3C7E1-1395-4C18-A2E1-8DCAF59FB34D}" type="datetimeFigureOut">
               <a:rPr lang="ko-KR" altLang="en-US" smtClean="0"/>
               <a:pPr/>
-              <a:t>2016-06-06</a:t>
+              <a:t>2016-07-02</a:t>
             </a:fld>
             <a:endParaRPr lang="ko-KR" altLang="en-US"/>
           </a:p>
@@ -1747,7 +1763,7 @@
             <a:fld id="{09C3C7E1-1395-4C18-A2E1-8DCAF59FB34D}" type="datetimeFigureOut">
               <a:rPr lang="ko-KR" altLang="en-US" smtClean="0"/>
               <a:pPr/>
-              <a:t>2016-06-06</a:t>
+              <a:t>2016-07-02</a:t>
             </a:fld>
             <a:endParaRPr lang="ko-KR" altLang="en-US"/>
           </a:p>
@@ -1862,7 +1878,7 @@
             <a:fld id="{09C3C7E1-1395-4C18-A2E1-8DCAF59FB34D}" type="datetimeFigureOut">
               <a:rPr lang="ko-KR" altLang="en-US" smtClean="0"/>
               <a:pPr/>
-              <a:t>2016-06-06</a:t>
+              <a:t>2016-07-02</a:t>
             </a:fld>
             <a:endParaRPr lang="ko-KR" altLang="en-US"/>
           </a:p>
@@ -1954,7 +1970,7 @@
             <a:fld id="{09C3C7E1-1395-4C18-A2E1-8DCAF59FB34D}" type="datetimeFigureOut">
               <a:rPr lang="ko-KR" altLang="en-US" smtClean="0"/>
               <a:pPr/>
-              <a:t>2016-06-06</a:t>
+              <a:t>2016-07-02</a:t>
             </a:fld>
             <a:endParaRPr lang="ko-KR" altLang="en-US"/>
           </a:p>
@@ -2228,7 +2244,7 @@
             <a:fld id="{09C3C7E1-1395-4C18-A2E1-8DCAF59FB34D}" type="datetimeFigureOut">
               <a:rPr lang="ko-KR" altLang="en-US" smtClean="0"/>
               <a:pPr/>
-              <a:t>2016-06-06</a:t>
+              <a:t>2016-07-02</a:t>
             </a:fld>
             <a:endParaRPr lang="ko-KR" altLang="en-US"/>
           </a:p>
@@ -2478,7 +2494,7 @@
             <a:fld id="{09C3C7E1-1395-4C18-A2E1-8DCAF59FB34D}" type="datetimeFigureOut">
               <a:rPr lang="ko-KR" altLang="en-US" smtClean="0"/>
               <a:pPr/>
-              <a:t>2016-06-06</a:t>
+              <a:t>2016-07-02</a:t>
             </a:fld>
             <a:endParaRPr lang="ko-KR" altLang="en-US"/>
           </a:p>
@@ -2688,7 +2704,7 @@
             <a:fld id="{09C3C7E1-1395-4C18-A2E1-8DCAF59FB34D}" type="datetimeFigureOut">
               <a:rPr lang="ko-KR" altLang="en-US" smtClean="0"/>
               <a:pPr/>
-              <a:t>2016-06-06</a:t>
+              <a:t>2016-07-02</a:t>
             </a:fld>
             <a:endParaRPr lang="ko-KR" altLang="en-US"/>
           </a:p>
@@ -3067,25 +3083,6 @@
           </p:cNvSpPr>
           <p:nvPr>
             <p:ph type="ctrTitle"/>
-          </p:nvPr>
-        </p:nvSpPr>
-        <p:spPr/>
-        <p:txBody>
-          <a:bodyPr/>
-          <a:lstStyle/>
-          <a:p>
-            <a:endParaRPr lang="ko-KR" altLang="en-US"/>
-          </a:p>
-        </p:txBody>
-      </p:sp>
-      <p:sp>
-        <p:nvSpPr>
-          <p:cNvPr id="3" name="부제목 2"/>
-          <p:cNvSpPr>
-            <a:spLocks noGrp="1"/>
-          </p:cNvSpPr>
-          <p:nvPr>
-            <p:ph type="subTitle" idx="1"/>
           </p:nvPr>
         </p:nvSpPr>
         <p:spPr/>

--- a/docs/업무 일정/7월 일정.pptx
+++ b/docs/업무 일정/7월 일정.pptx
@@ -104,22 +104,6 @@
       </a:defRPr>
     </a:lvl9pPr>
   </p:defaultTextStyle>
-  <p:extLst>
-    <p:ext uri="{EFAFB233-063F-42B5-8137-9DF3F51BA10A}">
-      <p15:sldGuideLst xmlns:p15="http://schemas.microsoft.com/office/powerpoint/2012/main">
-        <p15:guide id="1" orient="horz" pos="1620">
-          <p15:clr>
-            <a:srgbClr val="A4A3A4"/>
-          </p15:clr>
-        </p15:guide>
-        <p15:guide id="2" pos="2880">
-          <p15:clr>
-            <a:srgbClr val="A4A3A4"/>
-          </p15:clr>
-        </p15:guide>
-      </p15:sldGuideLst>
-    </p:ext>
-  </p:extLst>
 </p:presentation>
 </file>
 
@@ -305,7 +289,7 @@
             <a:fld id="{09C3C7E1-1395-4C18-A2E1-8DCAF59FB34D}" type="datetimeFigureOut">
               <a:rPr lang="ko-KR" altLang="en-US" smtClean="0"/>
               <a:pPr/>
-              <a:t>2016-07-02</a:t>
+              <a:t>2016-06-06</a:t>
             </a:fld>
             <a:endParaRPr lang="ko-KR" altLang="en-US"/>
           </a:p>
@@ -472,7 +456,7 @@
             <a:fld id="{09C3C7E1-1395-4C18-A2E1-8DCAF59FB34D}" type="datetimeFigureOut">
               <a:rPr lang="ko-KR" altLang="en-US" smtClean="0"/>
               <a:pPr/>
-              <a:t>2016-07-02</a:t>
+              <a:t>2016-06-06</a:t>
             </a:fld>
             <a:endParaRPr lang="ko-KR" altLang="en-US"/>
           </a:p>
@@ -649,7 +633,7 @@
             <a:fld id="{09C3C7E1-1395-4C18-A2E1-8DCAF59FB34D}" type="datetimeFigureOut">
               <a:rPr lang="ko-KR" altLang="en-US" smtClean="0"/>
               <a:pPr/>
-              <a:t>2016-07-02</a:t>
+              <a:t>2016-06-06</a:t>
             </a:fld>
             <a:endParaRPr lang="ko-KR" altLang="en-US"/>
           </a:p>
@@ -816,7 +800,7 @@
             <a:fld id="{09C3C7E1-1395-4C18-A2E1-8DCAF59FB34D}" type="datetimeFigureOut">
               <a:rPr lang="ko-KR" altLang="en-US" smtClean="0"/>
               <a:pPr/>
-              <a:t>2016-07-02</a:t>
+              <a:t>2016-06-06</a:t>
             </a:fld>
             <a:endParaRPr lang="ko-KR" altLang="en-US"/>
           </a:p>
@@ -1059,7 +1043,7 @@
             <a:fld id="{09C3C7E1-1395-4C18-A2E1-8DCAF59FB34D}" type="datetimeFigureOut">
               <a:rPr lang="ko-KR" altLang="en-US" smtClean="0"/>
               <a:pPr/>
-              <a:t>2016-07-02</a:t>
+              <a:t>2016-06-06</a:t>
             </a:fld>
             <a:endParaRPr lang="ko-KR" altLang="en-US"/>
           </a:p>
@@ -1344,7 +1328,7 @@
             <a:fld id="{09C3C7E1-1395-4C18-A2E1-8DCAF59FB34D}" type="datetimeFigureOut">
               <a:rPr lang="ko-KR" altLang="en-US" smtClean="0"/>
               <a:pPr/>
-              <a:t>2016-07-02</a:t>
+              <a:t>2016-06-06</a:t>
             </a:fld>
             <a:endParaRPr lang="ko-KR" altLang="en-US"/>
           </a:p>
@@ -1763,7 +1747,7 @@
             <a:fld id="{09C3C7E1-1395-4C18-A2E1-8DCAF59FB34D}" type="datetimeFigureOut">
               <a:rPr lang="ko-KR" altLang="en-US" smtClean="0"/>
               <a:pPr/>
-              <a:t>2016-07-02</a:t>
+              <a:t>2016-06-06</a:t>
             </a:fld>
             <a:endParaRPr lang="ko-KR" altLang="en-US"/>
           </a:p>
@@ -1878,7 +1862,7 @@
             <a:fld id="{09C3C7E1-1395-4C18-A2E1-8DCAF59FB34D}" type="datetimeFigureOut">
               <a:rPr lang="ko-KR" altLang="en-US" smtClean="0"/>
               <a:pPr/>
-              <a:t>2016-07-02</a:t>
+              <a:t>2016-06-06</a:t>
             </a:fld>
             <a:endParaRPr lang="ko-KR" altLang="en-US"/>
           </a:p>
@@ -1970,7 +1954,7 @@
             <a:fld id="{09C3C7E1-1395-4C18-A2E1-8DCAF59FB34D}" type="datetimeFigureOut">
               <a:rPr lang="ko-KR" altLang="en-US" smtClean="0"/>
               <a:pPr/>
-              <a:t>2016-07-02</a:t>
+              <a:t>2016-06-06</a:t>
             </a:fld>
             <a:endParaRPr lang="ko-KR" altLang="en-US"/>
           </a:p>
@@ -2244,7 +2228,7 @@
             <a:fld id="{09C3C7E1-1395-4C18-A2E1-8DCAF59FB34D}" type="datetimeFigureOut">
               <a:rPr lang="ko-KR" altLang="en-US" smtClean="0"/>
               <a:pPr/>
-              <a:t>2016-07-02</a:t>
+              <a:t>2016-06-06</a:t>
             </a:fld>
             <a:endParaRPr lang="ko-KR" altLang="en-US"/>
           </a:p>
@@ -2494,7 +2478,7 @@
             <a:fld id="{09C3C7E1-1395-4C18-A2E1-8DCAF59FB34D}" type="datetimeFigureOut">
               <a:rPr lang="ko-KR" altLang="en-US" smtClean="0"/>
               <a:pPr/>
-              <a:t>2016-07-02</a:t>
+              <a:t>2016-06-06</a:t>
             </a:fld>
             <a:endParaRPr lang="ko-KR" altLang="en-US"/>
           </a:p>
@@ -2704,7 +2688,7 @@
             <a:fld id="{09C3C7E1-1395-4C18-A2E1-8DCAF59FB34D}" type="datetimeFigureOut">
               <a:rPr lang="ko-KR" altLang="en-US" smtClean="0"/>
               <a:pPr/>
-              <a:t>2016-07-02</a:t>
+              <a:t>2016-06-06</a:t>
             </a:fld>
             <a:endParaRPr lang="ko-KR" altLang="en-US"/>
           </a:p>
@@ -3083,6 +3067,25 @@
           </p:cNvSpPr>
           <p:nvPr>
             <p:ph type="ctrTitle"/>
+          </p:nvPr>
+        </p:nvSpPr>
+        <p:spPr/>
+        <p:txBody>
+          <a:bodyPr/>
+          <a:lstStyle/>
+          <a:p>
+            <a:endParaRPr lang="ko-KR" altLang="en-US"/>
+          </a:p>
+        </p:txBody>
+      </p:sp>
+      <p:sp>
+        <p:nvSpPr>
+          <p:cNvPr id="3" name="부제목 2"/>
+          <p:cNvSpPr>
+            <a:spLocks noGrp="1"/>
+          </p:cNvSpPr>
+          <p:nvPr>
+            <p:ph type="subTitle" idx="1"/>
           </p:nvPr>
         </p:nvSpPr>
         <p:spPr/>
